--- a/UI Design/InitialDesign.pptx
+++ b/UI Design/InitialDesign.pptx
@@ -7,6 +7,7 @@
   <p:sldIdLst>
     <p:sldId id="256" r:id="rId2"/>
     <p:sldId id="257" r:id="rId3"/>
+    <p:sldId id="258" r:id="rId4"/>
   </p:sldIdLst>
   <p:sldSz cx="9144000" cy="6858000" type="screen4x3"/>
   <p:notesSz cx="6858000" cy="9144000"/>
@@ -289,7 +290,7 @@
           <a:p>
             <a:fld id="{CF413B77-AC11-4414-BE77-94CD2E007A0C}" type="datetimeFigureOut">
               <a:rPr lang="en-US" smtClean="0"/>
-              <a:t>6/10/2014</a:t>
+              <a:t>6/11/2014</a:t>
             </a:fld>
             <a:endParaRPr lang="en-US"/>
           </a:p>
@@ -459,7 +460,7 @@
           <a:p>
             <a:fld id="{CF413B77-AC11-4414-BE77-94CD2E007A0C}" type="datetimeFigureOut">
               <a:rPr lang="en-US" smtClean="0"/>
-              <a:t>6/10/2014</a:t>
+              <a:t>6/11/2014</a:t>
             </a:fld>
             <a:endParaRPr lang="en-US"/>
           </a:p>
@@ -639,7 +640,7 @@
           <a:p>
             <a:fld id="{CF413B77-AC11-4414-BE77-94CD2E007A0C}" type="datetimeFigureOut">
               <a:rPr lang="en-US" smtClean="0"/>
-              <a:t>6/10/2014</a:t>
+              <a:t>6/11/2014</a:t>
             </a:fld>
             <a:endParaRPr lang="en-US"/>
           </a:p>
@@ -809,7 +810,7 @@
           <a:p>
             <a:fld id="{CF413B77-AC11-4414-BE77-94CD2E007A0C}" type="datetimeFigureOut">
               <a:rPr lang="en-US" smtClean="0"/>
-              <a:t>6/10/2014</a:t>
+              <a:t>6/11/2014</a:t>
             </a:fld>
             <a:endParaRPr lang="en-US"/>
           </a:p>
@@ -1055,7 +1056,7 @@
           <a:p>
             <a:fld id="{CF413B77-AC11-4414-BE77-94CD2E007A0C}" type="datetimeFigureOut">
               <a:rPr lang="en-US" smtClean="0"/>
-              <a:t>6/10/2014</a:t>
+              <a:t>6/11/2014</a:t>
             </a:fld>
             <a:endParaRPr lang="en-US"/>
           </a:p>
@@ -1343,7 +1344,7 @@
           <a:p>
             <a:fld id="{CF413B77-AC11-4414-BE77-94CD2E007A0C}" type="datetimeFigureOut">
               <a:rPr lang="en-US" smtClean="0"/>
-              <a:t>6/10/2014</a:t>
+              <a:t>6/11/2014</a:t>
             </a:fld>
             <a:endParaRPr lang="en-US"/>
           </a:p>
@@ -1765,7 +1766,7 @@
           <a:p>
             <a:fld id="{CF413B77-AC11-4414-BE77-94CD2E007A0C}" type="datetimeFigureOut">
               <a:rPr lang="en-US" smtClean="0"/>
-              <a:t>6/10/2014</a:t>
+              <a:t>6/11/2014</a:t>
             </a:fld>
             <a:endParaRPr lang="en-US"/>
           </a:p>
@@ -1883,7 +1884,7 @@
           <a:p>
             <a:fld id="{CF413B77-AC11-4414-BE77-94CD2E007A0C}" type="datetimeFigureOut">
               <a:rPr lang="en-US" smtClean="0"/>
-              <a:t>6/10/2014</a:t>
+              <a:t>6/11/2014</a:t>
             </a:fld>
             <a:endParaRPr lang="en-US"/>
           </a:p>
@@ -1978,7 +1979,7 @@
           <a:p>
             <a:fld id="{CF413B77-AC11-4414-BE77-94CD2E007A0C}" type="datetimeFigureOut">
               <a:rPr lang="en-US" smtClean="0"/>
-              <a:t>6/10/2014</a:t>
+              <a:t>6/11/2014</a:t>
             </a:fld>
             <a:endParaRPr lang="en-US"/>
           </a:p>
@@ -2255,7 +2256,7 @@
           <a:p>
             <a:fld id="{CF413B77-AC11-4414-BE77-94CD2E007A0C}" type="datetimeFigureOut">
               <a:rPr lang="en-US" smtClean="0"/>
-              <a:t>6/10/2014</a:t>
+              <a:t>6/11/2014</a:t>
             </a:fld>
             <a:endParaRPr lang="en-US"/>
           </a:p>
@@ -2508,7 +2509,7 @@
           <a:p>
             <a:fld id="{CF413B77-AC11-4414-BE77-94CD2E007A0C}" type="datetimeFigureOut">
               <a:rPr lang="en-US" smtClean="0"/>
-              <a:t>6/10/2014</a:t>
+              <a:t>6/11/2014</a:t>
             </a:fld>
             <a:endParaRPr lang="en-US"/>
           </a:p>
@@ -2721,7 +2722,7 @@
           <a:p>
             <a:fld id="{CF413B77-AC11-4414-BE77-94CD2E007A0C}" type="datetimeFigureOut">
               <a:rPr lang="en-US" smtClean="0"/>
-              <a:t>6/10/2014</a:t>
+              <a:t>6/11/2014</a:t>
             </a:fld>
             <a:endParaRPr lang="en-US"/>
           </a:p>
@@ -3134,8 +3135,8 @@
         </p:nvSpPr>
         <p:spPr>
           <a:xfrm>
-            <a:off x="1676400" y="1219200"/>
-            <a:ext cx="5791200" cy="533400"/>
+            <a:off x="1219200" y="1219200"/>
+            <a:ext cx="6858000" cy="533400"/>
           </a:xfrm>
           <a:prstGeom prst="roundRect">
             <a:avLst/>
@@ -3166,31 +3167,31 @@
       </p:sp>
       <p:sp>
         <p:nvSpPr>
-          <p:cNvPr id="8" name="Rounded Rectangle 7"/>
+          <p:cNvPr id="9" name="Rectangle 8"/>
           <p:cNvSpPr/>
           <p:nvPr/>
         </p:nvSpPr>
         <p:spPr>
           <a:xfrm>
-            <a:off x="1676400" y="1905000"/>
-            <a:ext cx="5791200" cy="533400"/>
-          </a:xfrm>
-          <a:prstGeom prst="roundRect">
+            <a:off x="6124671" y="1350133"/>
+            <a:ext cx="1219200" cy="259865"/>
+          </a:xfrm>
+          <a:prstGeom prst="rect">
             <a:avLst/>
           </a:prstGeom>
         </p:spPr>
         <p:style>
-          <a:lnRef idx="2">
-            <a:schemeClr val="dk1"/>
+          <a:lnRef idx="1">
+            <a:schemeClr val="accent2"/>
           </a:lnRef>
-          <a:fillRef idx="1">
-            <a:schemeClr val="lt1"/>
+          <a:fillRef idx="3">
+            <a:schemeClr val="accent2"/>
           </a:fillRef>
-          <a:effectRef idx="0">
-            <a:schemeClr val="dk1"/>
+          <a:effectRef idx="2">
+            <a:schemeClr val="accent2"/>
           </a:effectRef>
           <a:fontRef idx="minor">
-            <a:schemeClr val="dk1"/>
+            <a:schemeClr val="lt1"/>
           </a:fontRef>
         </p:style>
         <p:txBody>
@@ -3198,83 +3199,11 @@
           <a:lstStyle/>
           <a:p>
             <a:pPr algn="ctr"/>
-            <a:endParaRPr lang="en-US"/>
-          </a:p>
-        </p:txBody>
-      </p:sp>
-      <p:sp>
-        <p:nvSpPr>
-          <p:cNvPr id="9" name="Rectangle 8"/>
-          <p:cNvSpPr/>
-          <p:nvPr/>
-        </p:nvSpPr>
-        <p:spPr>
-          <a:xfrm>
-            <a:off x="1828800" y="1352550"/>
-            <a:ext cx="304800" cy="266700"/>
-          </a:xfrm>
-          <a:prstGeom prst="rect">
-            <a:avLst/>
-          </a:prstGeom>
-        </p:spPr>
-        <p:style>
-          <a:lnRef idx="2">
-            <a:schemeClr val="dk1"/>
-          </a:lnRef>
-          <a:fillRef idx="1">
-            <a:schemeClr val="lt1"/>
-          </a:fillRef>
-          <a:effectRef idx="0">
-            <a:schemeClr val="dk1"/>
-          </a:effectRef>
-          <a:fontRef idx="minor">
-            <a:schemeClr val="dk1"/>
-          </a:fontRef>
-        </p:style>
-        <p:txBody>
-          <a:bodyPr rtlCol="0" anchor="ctr"/>
-          <a:lstStyle/>
-          <a:p>
-            <a:pPr algn="ctr"/>
-            <a:endParaRPr lang="en-US"/>
-          </a:p>
-        </p:txBody>
-      </p:sp>
-      <p:sp>
-        <p:nvSpPr>
-          <p:cNvPr id="14" name="Rectangle 13"/>
-          <p:cNvSpPr/>
-          <p:nvPr/>
-        </p:nvSpPr>
-        <p:spPr>
-          <a:xfrm>
-            <a:off x="1828800" y="2057400"/>
-            <a:ext cx="304800" cy="266700"/>
-          </a:xfrm>
-          <a:prstGeom prst="rect">
-            <a:avLst/>
-          </a:prstGeom>
-        </p:spPr>
-        <p:style>
-          <a:lnRef idx="2">
-            <a:schemeClr val="dk1"/>
-          </a:lnRef>
-          <a:fillRef idx="1">
-            <a:schemeClr val="lt1"/>
-          </a:fillRef>
-          <a:effectRef idx="0">
-            <a:schemeClr val="dk1"/>
-          </a:effectRef>
-          <a:fontRef idx="minor">
-            <a:schemeClr val="dk1"/>
-          </a:fontRef>
-        </p:style>
-        <p:txBody>
-          <a:bodyPr rtlCol="0" anchor="ctr"/>
-          <a:lstStyle/>
-          <a:p>
-            <a:pPr algn="ctr"/>
-            <a:endParaRPr lang="en-US"/>
+            <a:r>
+              <a:rPr lang="en-US" dirty="0" smtClean="0"/>
+              <a:t>Deactivate</a:t>
+            </a:r>
+            <a:endParaRPr lang="en-US" dirty="0"/>
           </a:p>
         </p:txBody>
       </p:sp>
@@ -3286,7 +3215,7 @@
         </p:nvCxnSpPr>
         <p:spPr>
           <a:xfrm>
-            <a:off x="7086600" y="1359385"/>
+            <a:off x="7696200" y="1359385"/>
             <a:ext cx="228600" cy="184666"/>
           </a:xfrm>
           <a:prstGeom prst="line">
@@ -3316,7 +3245,7 @@
         </p:nvCxnSpPr>
         <p:spPr>
           <a:xfrm flipH="1">
-            <a:off x="7086600" y="1359385"/>
+            <a:off x="7696200" y="1359385"/>
             <a:ext cx="228600" cy="184666"/>
           </a:xfrm>
           <a:prstGeom prst="line">
@@ -3338,66 +3267,6 @@
           </a:fontRef>
         </p:style>
       </p:cxnSp>
-      <p:cxnSp>
-        <p:nvCxnSpPr>
-          <p:cNvPr id="19" name="Straight Connector 18"/>
-          <p:cNvCxnSpPr/>
-          <p:nvPr/>
-        </p:nvCxnSpPr>
-        <p:spPr>
-          <a:xfrm>
-            <a:off x="7086600" y="2057400"/>
-            <a:ext cx="228600" cy="184666"/>
-          </a:xfrm>
-          <a:prstGeom prst="line">
-            <a:avLst/>
-          </a:prstGeom>
-        </p:spPr>
-        <p:style>
-          <a:lnRef idx="3">
-            <a:schemeClr val="dk1"/>
-          </a:lnRef>
-          <a:fillRef idx="0">
-            <a:schemeClr val="dk1"/>
-          </a:fillRef>
-          <a:effectRef idx="2">
-            <a:schemeClr val="dk1"/>
-          </a:effectRef>
-          <a:fontRef idx="minor">
-            <a:schemeClr val="tx1"/>
-          </a:fontRef>
-        </p:style>
-      </p:cxnSp>
-      <p:cxnSp>
-        <p:nvCxnSpPr>
-          <p:cNvPr id="20" name="Straight Connector 19"/>
-          <p:cNvCxnSpPr/>
-          <p:nvPr/>
-        </p:nvCxnSpPr>
-        <p:spPr>
-          <a:xfrm flipH="1">
-            <a:off x="7086600" y="2057400"/>
-            <a:ext cx="228600" cy="184666"/>
-          </a:xfrm>
-          <a:prstGeom prst="line">
-            <a:avLst/>
-          </a:prstGeom>
-        </p:spPr>
-        <p:style>
-          <a:lnRef idx="3">
-            <a:schemeClr val="dk1"/>
-          </a:lnRef>
-          <a:fillRef idx="0">
-            <a:schemeClr val="dk1"/>
-          </a:fillRef>
-          <a:effectRef idx="2">
-            <a:schemeClr val="dk1"/>
-          </a:effectRef>
-          <a:fontRef idx="minor">
-            <a:schemeClr val="tx1"/>
-          </a:fontRef>
-        </p:style>
-      </p:cxnSp>
       <p:sp>
         <p:nvSpPr>
           <p:cNvPr id="23" name="TextBox 22"/>
@@ -3406,8 +3275,8 @@
         </p:nvSpPr>
         <p:spPr>
           <a:xfrm>
-            <a:off x="3276600" y="1295400"/>
-            <a:ext cx="2613216" cy="369332"/>
+            <a:off x="3705129" y="1295400"/>
+            <a:ext cx="1933671" cy="369332"/>
           </a:xfrm>
           <a:prstGeom prst="rect">
             <a:avLst/>
@@ -3422,136 +3291,12 @@
           <a:p>
             <a:r>
               <a:rPr lang="en-US" dirty="0" smtClean="0"/>
-              <a:t>Country | Product | Event</a:t>
+              <a:t>Country | Product </a:t>
             </a:r>
             <a:endParaRPr lang="en-US" dirty="0"/>
           </a:p>
         </p:txBody>
       </p:sp>
-      <p:sp>
-        <p:nvSpPr>
-          <p:cNvPr id="24" name="TextBox 23"/>
-          <p:cNvSpPr txBox="1"/>
-          <p:nvPr/>
-        </p:nvSpPr>
-        <p:spPr>
-          <a:xfrm>
-            <a:off x="3276600" y="1992868"/>
-            <a:ext cx="2613216" cy="369332"/>
-          </a:xfrm>
-          <a:prstGeom prst="rect">
-            <a:avLst/>
-          </a:prstGeom>
-          <a:noFill/>
-        </p:spPr>
-        <p:txBody>
-          <a:bodyPr wrap="none" rtlCol="0">
-            <a:spAutoFit/>
-          </a:bodyPr>
-          <a:lstStyle/>
-          <a:p>
-            <a:r>
-              <a:rPr lang="en-US" dirty="0" smtClean="0"/>
-              <a:t>Country</a:t>
-            </a:r>
-            <a:r>
-              <a:rPr lang="en-US" dirty="0" smtClean="0"/>
-              <a:t> | Product | Event</a:t>
-            </a:r>
-            <a:endParaRPr lang="en-US" dirty="0"/>
-          </a:p>
-        </p:txBody>
-      </p:sp>
-      <p:cxnSp>
-        <p:nvCxnSpPr>
-          <p:cNvPr id="31" name="Straight Connector 30"/>
-          <p:cNvCxnSpPr/>
-          <p:nvPr/>
-        </p:nvCxnSpPr>
-        <p:spPr>
-          <a:xfrm>
-            <a:off x="4648200" y="2667000"/>
-            <a:ext cx="0" cy="152400"/>
-          </a:xfrm>
-          <a:prstGeom prst="line">
-            <a:avLst/>
-          </a:prstGeom>
-        </p:spPr>
-        <p:style>
-          <a:lnRef idx="2">
-            <a:schemeClr val="dk1"/>
-          </a:lnRef>
-          <a:fillRef idx="0">
-            <a:schemeClr val="dk1"/>
-          </a:fillRef>
-          <a:effectRef idx="1">
-            <a:schemeClr val="dk1"/>
-          </a:effectRef>
-          <a:fontRef idx="minor">
-            <a:schemeClr val="tx1"/>
-          </a:fontRef>
-        </p:style>
-      </p:cxnSp>
-      <p:cxnSp>
-        <p:nvCxnSpPr>
-          <p:cNvPr id="35" name="Straight Connector 34"/>
-          <p:cNvCxnSpPr/>
-          <p:nvPr/>
-        </p:nvCxnSpPr>
-        <p:spPr>
-          <a:xfrm>
-            <a:off x="4648200" y="2743200"/>
-            <a:ext cx="76200" cy="0"/>
-          </a:xfrm>
-          <a:prstGeom prst="line">
-            <a:avLst/>
-          </a:prstGeom>
-        </p:spPr>
-        <p:style>
-          <a:lnRef idx="2">
-            <a:schemeClr val="dk1"/>
-          </a:lnRef>
-          <a:fillRef idx="0">
-            <a:schemeClr val="dk1"/>
-          </a:fillRef>
-          <a:effectRef idx="1">
-            <a:schemeClr val="dk1"/>
-          </a:effectRef>
-          <a:fontRef idx="minor">
-            <a:schemeClr val="tx1"/>
-          </a:fontRef>
-        </p:style>
-      </p:cxnSp>
-      <p:cxnSp>
-        <p:nvCxnSpPr>
-          <p:cNvPr id="37" name="Straight Connector 36"/>
-          <p:cNvCxnSpPr/>
-          <p:nvPr/>
-        </p:nvCxnSpPr>
-        <p:spPr>
-          <a:xfrm flipH="1">
-            <a:off x="4572000" y="2743200"/>
-            <a:ext cx="76200" cy="0"/>
-          </a:xfrm>
-          <a:prstGeom prst="line">
-            <a:avLst/>
-          </a:prstGeom>
-        </p:spPr>
-        <p:style>
-          <a:lnRef idx="2">
-            <a:schemeClr val="dk1"/>
-          </a:lnRef>
-          <a:fillRef idx="0">
-            <a:schemeClr val="dk1"/>
-          </a:fillRef>
-          <a:effectRef idx="1">
-            <a:schemeClr val="dk1"/>
-          </a:effectRef>
-          <a:fontRef idx="minor">
-            <a:schemeClr val="tx1"/>
-          </a:fontRef>
-        </p:style>
-      </p:cxnSp>
       <p:cxnSp>
         <p:nvCxnSpPr>
           <p:cNvPr id="39" name="Straight Arrow Connector 38"/>
@@ -3560,40 +3305,7 @@
         </p:nvCxnSpPr>
         <p:spPr>
           <a:xfrm flipH="1">
-            <a:off x="6781800" y="1359385"/>
-            <a:ext cx="152400" cy="184666"/>
-          </a:xfrm>
-          <a:prstGeom prst="straightConnector1">
-            <a:avLst/>
-          </a:prstGeom>
-          <a:ln>
-            <a:tailEnd type="arrow"/>
-          </a:ln>
-        </p:spPr>
-        <p:style>
-          <a:lnRef idx="2">
-            <a:schemeClr val="dk1"/>
-          </a:lnRef>
-          <a:fillRef idx="0">
-            <a:schemeClr val="dk1"/>
-          </a:fillRef>
-          <a:effectRef idx="1">
-            <a:schemeClr val="dk1"/>
-          </a:effectRef>
-          <a:fontRef idx="minor">
-            <a:schemeClr val="tx1"/>
-          </a:fontRef>
-        </p:style>
-      </p:cxnSp>
-      <p:cxnSp>
-        <p:nvCxnSpPr>
-          <p:cNvPr id="40" name="Straight Arrow Connector 39"/>
-          <p:cNvCxnSpPr/>
-          <p:nvPr/>
-        </p:nvCxnSpPr>
-        <p:spPr>
-          <a:xfrm flipH="1">
-            <a:off x="6781800" y="2057400"/>
+            <a:off x="7391400" y="1359385"/>
             <a:ext cx="152400" cy="184666"/>
           </a:xfrm>
           <a:prstGeom prst="straightConnector1">
@@ -3640,7 +3352,7 @@
         </p:blipFill>
         <p:spPr>
           <a:xfrm>
-            <a:off x="2286000" y="1306121"/>
+            <a:off x="1318419" y="1290256"/>
             <a:ext cx="411162" cy="415879"/>
           </a:xfrm>
           <a:prstGeom prst="rect">
@@ -3670,7 +3382,7 @@
         </p:blipFill>
         <p:spPr>
           <a:xfrm>
-            <a:off x="2782511" y="1295400"/>
+            <a:off x="1778072" y="1295400"/>
             <a:ext cx="417889" cy="420675"/>
           </a:xfrm>
           <a:prstGeom prst="rect">
@@ -3678,9 +3390,212 @@
           </a:prstGeom>
         </p:spPr>
       </p:pic>
+      <p:sp>
+        <p:nvSpPr>
+          <p:cNvPr id="29" name="Rounded Rectangle 28"/>
+          <p:cNvSpPr/>
+          <p:nvPr/>
+        </p:nvSpPr>
+        <p:spPr>
+          <a:xfrm>
+            <a:off x="1219200" y="1905000"/>
+            <a:ext cx="6858000" cy="533400"/>
+          </a:xfrm>
+          <a:prstGeom prst="roundRect">
+            <a:avLst/>
+          </a:prstGeom>
+        </p:spPr>
+        <p:style>
+          <a:lnRef idx="2">
+            <a:schemeClr val="dk1"/>
+          </a:lnRef>
+          <a:fillRef idx="1">
+            <a:schemeClr val="lt1"/>
+          </a:fillRef>
+          <a:effectRef idx="0">
+            <a:schemeClr val="dk1"/>
+          </a:effectRef>
+          <a:fontRef idx="minor">
+            <a:schemeClr val="dk1"/>
+          </a:fontRef>
+        </p:style>
+        <p:txBody>
+          <a:bodyPr rtlCol="0" anchor="ctr"/>
+          <a:lstStyle/>
+          <a:p>
+            <a:pPr algn="ctr"/>
+            <a:endParaRPr lang="en-US"/>
+          </a:p>
+        </p:txBody>
+      </p:sp>
+      <p:sp>
+        <p:nvSpPr>
+          <p:cNvPr id="30" name="Rectangle 29"/>
+          <p:cNvSpPr/>
+          <p:nvPr/>
+        </p:nvSpPr>
+        <p:spPr>
+          <a:xfrm>
+            <a:off x="6124671" y="2035933"/>
+            <a:ext cx="1219200" cy="259865"/>
+          </a:xfrm>
+          <a:prstGeom prst="rect">
+            <a:avLst/>
+          </a:prstGeom>
+        </p:spPr>
+        <p:style>
+          <a:lnRef idx="1">
+            <a:schemeClr val="accent2"/>
+          </a:lnRef>
+          <a:fillRef idx="3">
+            <a:schemeClr val="accent2"/>
+          </a:fillRef>
+          <a:effectRef idx="2">
+            <a:schemeClr val="accent2"/>
+          </a:effectRef>
+          <a:fontRef idx="minor">
+            <a:schemeClr val="lt1"/>
+          </a:fontRef>
+        </p:style>
+        <p:txBody>
+          <a:bodyPr rtlCol="0" anchor="ctr"/>
+          <a:lstStyle/>
+          <a:p>
+            <a:pPr algn="ctr"/>
+            <a:r>
+              <a:rPr lang="en-US" dirty="0" smtClean="0"/>
+              <a:t>Deactivate</a:t>
+            </a:r>
+            <a:endParaRPr lang="en-US" dirty="0"/>
+          </a:p>
+        </p:txBody>
+      </p:sp>
+      <p:cxnSp>
+        <p:nvCxnSpPr>
+          <p:cNvPr id="32" name="Straight Connector 31"/>
+          <p:cNvCxnSpPr/>
+          <p:nvPr/>
+        </p:nvCxnSpPr>
+        <p:spPr>
+          <a:xfrm>
+            <a:off x="7696200" y="2045185"/>
+            <a:ext cx="228600" cy="184666"/>
+          </a:xfrm>
+          <a:prstGeom prst="line">
+            <a:avLst/>
+          </a:prstGeom>
+        </p:spPr>
+        <p:style>
+          <a:lnRef idx="3">
+            <a:schemeClr val="dk1"/>
+          </a:lnRef>
+          <a:fillRef idx="0">
+            <a:schemeClr val="dk1"/>
+          </a:fillRef>
+          <a:effectRef idx="2">
+            <a:schemeClr val="dk1"/>
+          </a:effectRef>
+          <a:fontRef idx="minor">
+            <a:schemeClr val="tx1"/>
+          </a:fontRef>
+        </p:style>
+      </p:cxnSp>
+      <p:cxnSp>
+        <p:nvCxnSpPr>
+          <p:cNvPr id="33" name="Straight Connector 32"/>
+          <p:cNvCxnSpPr/>
+          <p:nvPr/>
+        </p:nvCxnSpPr>
+        <p:spPr>
+          <a:xfrm flipH="1">
+            <a:off x="7696200" y="2045185"/>
+            <a:ext cx="228600" cy="184666"/>
+          </a:xfrm>
+          <a:prstGeom prst="line">
+            <a:avLst/>
+          </a:prstGeom>
+        </p:spPr>
+        <p:style>
+          <a:lnRef idx="3">
+            <a:schemeClr val="dk1"/>
+          </a:lnRef>
+          <a:fillRef idx="0">
+            <a:schemeClr val="dk1"/>
+          </a:fillRef>
+          <a:effectRef idx="2">
+            <a:schemeClr val="dk1"/>
+          </a:effectRef>
+          <a:fontRef idx="minor">
+            <a:schemeClr val="tx1"/>
+          </a:fontRef>
+        </p:style>
+      </p:cxnSp>
+      <p:sp>
+        <p:nvSpPr>
+          <p:cNvPr id="34" name="TextBox 33"/>
+          <p:cNvSpPr txBox="1"/>
+          <p:nvPr/>
+        </p:nvSpPr>
+        <p:spPr>
+          <a:xfrm>
+            <a:off x="3705129" y="1981200"/>
+            <a:ext cx="1933671" cy="369332"/>
+          </a:xfrm>
+          <a:prstGeom prst="rect">
+            <a:avLst/>
+          </a:prstGeom>
+          <a:noFill/>
+        </p:spPr>
+        <p:txBody>
+          <a:bodyPr wrap="none" rtlCol="0">
+            <a:spAutoFit/>
+          </a:bodyPr>
+          <a:lstStyle/>
+          <a:p>
+            <a:r>
+              <a:rPr lang="en-US" dirty="0" smtClean="0"/>
+              <a:t>Country | Product </a:t>
+            </a:r>
+            <a:endParaRPr lang="en-US" dirty="0"/>
+          </a:p>
+        </p:txBody>
+      </p:sp>
+      <p:cxnSp>
+        <p:nvCxnSpPr>
+          <p:cNvPr id="36" name="Straight Arrow Connector 35"/>
+          <p:cNvCxnSpPr/>
+          <p:nvPr/>
+        </p:nvCxnSpPr>
+        <p:spPr>
+          <a:xfrm flipH="1">
+            <a:off x="7391400" y="2045185"/>
+            <a:ext cx="152400" cy="184666"/>
+          </a:xfrm>
+          <a:prstGeom prst="straightConnector1">
+            <a:avLst/>
+          </a:prstGeom>
+          <a:ln>
+            <a:tailEnd type="arrow"/>
+          </a:ln>
+        </p:spPr>
+        <p:style>
+          <a:lnRef idx="2">
+            <a:schemeClr val="dk1"/>
+          </a:lnRef>
+          <a:fillRef idx="0">
+            <a:schemeClr val="dk1"/>
+          </a:fillRef>
+          <a:effectRef idx="1">
+            <a:schemeClr val="dk1"/>
+          </a:effectRef>
+          <a:fontRef idx="minor">
+            <a:schemeClr val="tx1"/>
+          </a:fontRef>
+        </p:style>
+      </p:cxnSp>
       <p:pic>
         <p:nvPicPr>
-          <p:cNvPr id="43" name="Picture 42"/>
+          <p:cNvPr id="38" name="Picture 37"/>
           <p:cNvPicPr>
             <a:picLocks noChangeAspect="1"/>
           </p:cNvPicPr>
@@ -3700,7 +3615,7 @@
         </p:blipFill>
         <p:spPr>
           <a:xfrm>
-            <a:off x="2286000" y="1981200"/>
+            <a:off x="1318419" y="1976056"/>
             <a:ext cx="411162" cy="415879"/>
           </a:xfrm>
           <a:prstGeom prst="rect">
@@ -3708,6 +3623,48 @@
           </a:prstGeom>
         </p:spPr>
       </p:pic>
+      <p:sp>
+        <p:nvSpPr>
+          <p:cNvPr id="5" name="Rounded Rectangle 4"/>
+          <p:cNvSpPr/>
+          <p:nvPr/>
+        </p:nvSpPr>
+        <p:spPr>
+          <a:xfrm>
+            <a:off x="4295473" y="2590800"/>
+            <a:ext cx="657527" cy="304800"/>
+          </a:xfrm>
+          <a:prstGeom prst="roundRect">
+            <a:avLst/>
+          </a:prstGeom>
+        </p:spPr>
+        <p:style>
+          <a:lnRef idx="2">
+            <a:schemeClr val="accent1"/>
+          </a:lnRef>
+          <a:fillRef idx="1">
+            <a:schemeClr val="lt1"/>
+          </a:fillRef>
+          <a:effectRef idx="0">
+            <a:schemeClr val="accent1"/>
+          </a:effectRef>
+          <a:fontRef idx="minor">
+            <a:schemeClr val="dk1"/>
+          </a:fontRef>
+        </p:style>
+        <p:txBody>
+          <a:bodyPr rtlCol="0" anchor="ctr"/>
+          <a:lstStyle/>
+          <a:p>
+            <a:pPr algn="ctr"/>
+            <a:r>
+              <a:rPr lang="en-US" dirty="0" smtClean="0"/>
+              <a:t>ADD</a:t>
+            </a:r>
+            <a:endParaRPr lang="en-US" dirty="0"/>
+          </a:p>
+        </p:txBody>
+      </p:sp>
     </p:spTree>
     <p:extLst>
       <p:ext uri="{BB962C8B-B14F-4D97-AF65-F5344CB8AC3E}">
@@ -3718,6 +3675,16 @@
   <p:clrMapOvr>
     <a:masterClrMapping/>
   </p:clrMapOvr>
+  <p:transition spd="slow">
+    <p:pull/>
+  </p:transition>
+  <p:timing>
+    <p:tnLst>
+      <p:par>
+        <p:cTn id="1" dur="indefinite" restart="never" nodeType="tmRoot"/>
+      </p:par>
+    </p:tnLst>
+  </p:timing>
 </p:sld>
 </file>
 
@@ -3859,48 +3826,6 @@
           </a:p>
         </p:txBody>
       </p:sp>
-      <p:sp>
-        <p:nvSpPr>
-          <p:cNvPr id="7" name="Rounded Rectangle 6"/>
-          <p:cNvSpPr/>
-          <p:nvPr/>
-        </p:nvSpPr>
-        <p:spPr>
-          <a:xfrm>
-            <a:off x="3276600" y="2819400"/>
-            <a:ext cx="2971800" cy="457200"/>
-          </a:xfrm>
-          <a:prstGeom prst="roundRect">
-            <a:avLst/>
-          </a:prstGeom>
-        </p:spPr>
-        <p:style>
-          <a:lnRef idx="2">
-            <a:schemeClr val="dk1"/>
-          </a:lnRef>
-          <a:fillRef idx="1">
-            <a:schemeClr val="lt1"/>
-          </a:fillRef>
-          <a:effectRef idx="0">
-            <a:schemeClr val="dk1"/>
-          </a:effectRef>
-          <a:fontRef idx="minor">
-            <a:schemeClr val="dk1"/>
-          </a:fontRef>
-        </p:style>
-        <p:txBody>
-          <a:bodyPr rtlCol="0" anchor="ctr"/>
-          <a:lstStyle/>
-          <a:p>
-            <a:pPr algn="ctr"/>
-            <a:r>
-              <a:rPr lang="en-US" dirty="0" smtClean="0"/>
-              <a:t>Select Event</a:t>
-            </a:r>
-            <a:endParaRPr lang="en-US" dirty="0"/>
-          </a:p>
-        </p:txBody>
-      </p:sp>
       <p:pic>
         <p:nvPicPr>
           <p:cNvPr id="8" name="Picture 7"/>
@@ -4157,10 +4082,1486 @@
           </a:p>
         </p:txBody>
       </p:sp>
+      <p:cxnSp>
+        <p:nvCxnSpPr>
+          <p:cNvPr id="3" name="Straight Connector 2"/>
+          <p:cNvCxnSpPr/>
+          <p:nvPr/>
+        </p:nvCxnSpPr>
+        <p:spPr>
+          <a:xfrm>
+            <a:off x="3939381" y="2743200"/>
+            <a:ext cx="0" cy="838200"/>
+          </a:xfrm>
+          <a:prstGeom prst="line">
+            <a:avLst/>
+          </a:prstGeom>
+        </p:spPr>
+        <p:style>
+          <a:lnRef idx="2">
+            <a:schemeClr val="dk1"/>
+          </a:lnRef>
+          <a:fillRef idx="0">
+            <a:schemeClr val="dk1"/>
+          </a:fillRef>
+          <a:effectRef idx="1">
+            <a:schemeClr val="dk1"/>
+          </a:effectRef>
+          <a:fontRef idx="minor">
+            <a:schemeClr val="tx1"/>
+          </a:fontRef>
+        </p:style>
+      </p:cxnSp>
+      <p:sp>
+        <p:nvSpPr>
+          <p:cNvPr id="15" name="TextBox 14"/>
+          <p:cNvSpPr txBox="1"/>
+          <p:nvPr/>
+        </p:nvSpPr>
+        <p:spPr>
+          <a:xfrm>
+            <a:off x="3200400" y="2839134"/>
+            <a:ext cx="914400" cy="646331"/>
+          </a:xfrm>
+          <a:prstGeom prst="rect">
+            <a:avLst/>
+          </a:prstGeom>
+          <a:noFill/>
+        </p:spPr>
+        <p:txBody>
+          <a:bodyPr wrap="square" rtlCol="0">
+            <a:spAutoFit/>
+          </a:bodyPr>
+          <a:lstStyle/>
+          <a:p>
+            <a:r>
+              <a:rPr lang="en-US" dirty="0" smtClean="0"/>
+              <a:t>Select</a:t>
+            </a:r>
+          </a:p>
+          <a:p>
+            <a:r>
+              <a:rPr lang="en-US" dirty="0" smtClean="0"/>
+              <a:t>Event</a:t>
+            </a:r>
+            <a:endParaRPr lang="en-US" dirty="0"/>
+          </a:p>
+        </p:txBody>
+      </p:sp>
+      <p:sp>
+        <p:nvSpPr>
+          <p:cNvPr id="16" name="Rectangle 15"/>
+          <p:cNvSpPr/>
+          <p:nvPr/>
+        </p:nvSpPr>
+        <p:spPr>
+          <a:xfrm>
+            <a:off x="4152900" y="2907268"/>
+            <a:ext cx="228600" cy="207940"/>
+          </a:xfrm>
+          <a:prstGeom prst="rect">
+            <a:avLst/>
+          </a:prstGeom>
+        </p:spPr>
+        <p:style>
+          <a:lnRef idx="2">
+            <a:schemeClr val="dk1"/>
+          </a:lnRef>
+          <a:fillRef idx="1">
+            <a:schemeClr val="lt1"/>
+          </a:fillRef>
+          <a:effectRef idx="0">
+            <a:schemeClr val="dk1"/>
+          </a:effectRef>
+          <a:fontRef idx="minor">
+            <a:schemeClr val="dk1"/>
+          </a:fontRef>
+        </p:style>
+        <p:txBody>
+          <a:bodyPr rtlCol="0" anchor="ctr"/>
+          <a:lstStyle/>
+          <a:p>
+            <a:pPr algn="ctr"/>
+            <a:endParaRPr lang="en-US"/>
+          </a:p>
+        </p:txBody>
+      </p:sp>
+      <p:sp>
+        <p:nvSpPr>
+          <p:cNvPr id="17" name="TextBox 16"/>
+          <p:cNvSpPr txBox="1"/>
+          <p:nvPr/>
+        </p:nvSpPr>
+        <p:spPr>
+          <a:xfrm>
+            <a:off x="4305300" y="2831068"/>
+            <a:ext cx="1028700" cy="369332"/>
+          </a:xfrm>
+          <a:prstGeom prst="rect">
+            <a:avLst/>
+          </a:prstGeom>
+          <a:noFill/>
+        </p:spPr>
+        <p:txBody>
+          <a:bodyPr wrap="square" rtlCol="0">
+            <a:spAutoFit/>
+          </a:bodyPr>
+          <a:lstStyle/>
+          <a:p>
+            <a:r>
+              <a:rPr lang="en-US" dirty="0" smtClean="0"/>
+              <a:t> Event1</a:t>
+            </a:r>
+            <a:endParaRPr lang="en-US" dirty="0"/>
+          </a:p>
+        </p:txBody>
+      </p:sp>
+      <p:sp>
+        <p:nvSpPr>
+          <p:cNvPr id="18" name="Rectangle 17"/>
+          <p:cNvSpPr/>
+          <p:nvPr/>
+        </p:nvSpPr>
+        <p:spPr>
+          <a:xfrm>
+            <a:off x="4152900" y="3288268"/>
+            <a:ext cx="228600" cy="207940"/>
+          </a:xfrm>
+          <a:prstGeom prst="rect">
+            <a:avLst/>
+          </a:prstGeom>
+        </p:spPr>
+        <p:style>
+          <a:lnRef idx="2">
+            <a:schemeClr val="dk1"/>
+          </a:lnRef>
+          <a:fillRef idx="1">
+            <a:schemeClr val="lt1"/>
+          </a:fillRef>
+          <a:effectRef idx="0">
+            <a:schemeClr val="dk1"/>
+          </a:effectRef>
+          <a:fontRef idx="minor">
+            <a:schemeClr val="dk1"/>
+          </a:fontRef>
+        </p:style>
+        <p:txBody>
+          <a:bodyPr rtlCol="0" anchor="ctr"/>
+          <a:lstStyle/>
+          <a:p>
+            <a:pPr algn="ctr"/>
+            <a:endParaRPr lang="en-US"/>
+          </a:p>
+        </p:txBody>
+      </p:sp>
+      <p:sp>
+        <p:nvSpPr>
+          <p:cNvPr id="19" name="TextBox 18"/>
+          <p:cNvSpPr txBox="1"/>
+          <p:nvPr/>
+        </p:nvSpPr>
+        <p:spPr>
+          <a:xfrm>
+            <a:off x="4305300" y="3212068"/>
+            <a:ext cx="1028700" cy="369332"/>
+          </a:xfrm>
+          <a:prstGeom prst="rect">
+            <a:avLst/>
+          </a:prstGeom>
+          <a:noFill/>
+        </p:spPr>
+        <p:txBody>
+          <a:bodyPr wrap="square" rtlCol="0">
+            <a:spAutoFit/>
+          </a:bodyPr>
+          <a:lstStyle/>
+          <a:p>
+            <a:r>
+              <a:rPr lang="en-US" dirty="0" smtClean="0"/>
+              <a:t> Event3</a:t>
+            </a:r>
+            <a:endParaRPr lang="en-US" dirty="0"/>
+          </a:p>
+        </p:txBody>
+      </p:sp>
+      <p:sp>
+        <p:nvSpPr>
+          <p:cNvPr id="20" name="Rectangle 19"/>
+          <p:cNvSpPr/>
+          <p:nvPr/>
+        </p:nvSpPr>
+        <p:spPr>
+          <a:xfrm>
+            <a:off x="5219700" y="3288268"/>
+            <a:ext cx="228600" cy="207940"/>
+          </a:xfrm>
+          <a:prstGeom prst="rect">
+            <a:avLst/>
+          </a:prstGeom>
+        </p:spPr>
+        <p:style>
+          <a:lnRef idx="2">
+            <a:schemeClr val="dk1"/>
+          </a:lnRef>
+          <a:fillRef idx="1">
+            <a:schemeClr val="lt1"/>
+          </a:fillRef>
+          <a:effectRef idx="0">
+            <a:schemeClr val="dk1"/>
+          </a:effectRef>
+          <a:fontRef idx="minor">
+            <a:schemeClr val="dk1"/>
+          </a:fontRef>
+        </p:style>
+        <p:txBody>
+          <a:bodyPr rtlCol="0" anchor="ctr"/>
+          <a:lstStyle/>
+          <a:p>
+            <a:pPr algn="ctr"/>
+            <a:endParaRPr lang="en-US"/>
+          </a:p>
+        </p:txBody>
+      </p:sp>
+      <p:sp>
+        <p:nvSpPr>
+          <p:cNvPr id="21" name="TextBox 20"/>
+          <p:cNvSpPr txBox="1"/>
+          <p:nvPr/>
+        </p:nvSpPr>
+        <p:spPr>
+          <a:xfrm>
+            <a:off x="5372100" y="3212068"/>
+            <a:ext cx="1028700" cy="369332"/>
+          </a:xfrm>
+          <a:prstGeom prst="rect">
+            <a:avLst/>
+          </a:prstGeom>
+          <a:noFill/>
+        </p:spPr>
+        <p:txBody>
+          <a:bodyPr wrap="square" rtlCol="0">
+            <a:spAutoFit/>
+          </a:bodyPr>
+          <a:lstStyle/>
+          <a:p>
+            <a:r>
+              <a:rPr lang="en-US" dirty="0" smtClean="0"/>
+              <a:t> Event4</a:t>
+            </a:r>
+            <a:endParaRPr lang="en-US" dirty="0"/>
+          </a:p>
+        </p:txBody>
+      </p:sp>
+      <p:sp>
+        <p:nvSpPr>
+          <p:cNvPr id="22" name="Rectangle 21"/>
+          <p:cNvSpPr/>
+          <p:nvPr/>
+        </p:nvSpPr>
+        <p:spPr>
+          <a:xfrm>
+            <a:off x="5219700" y="2895600"/>
+            <a:ext cx="228600" cy="207940"/>
+          </a:xfrm>
+          <a:prstGeom prst="rect">
+            <a:avLst/>
+          </a:prstGeom>
+        </p:spPr>
+        <p:style>
+          <a:lnRef idx="2">
+            <a:schemeClr val="dk1"/>
+          </a:lnRef>
+          <a:fillRef idx="1">
+            <a:schemeClr val="lt1"/>
+          </a:fillRef>
+          <a:effectRef idx="0">
+            <a:schemeClr val="dk1"/>
+          </a:effectRef>
+          <a:fontRef idx="minor">
+            <a:schemeClr val="dk1"/>
+          </a:fontRef>
+        </p:style>
+        <p:txBody>
+          <a:bodyPr rtlCol="0" anchor="ctr"/>
+          <a:lstStyle/>
+          <a:p>
+            <a:pPr algn="ctr"/>
+            <a:endParaRPr lang="en-US"/>
+          </a:p>
+        </p:txBody>
+      </p:sp>
+      <p:sp>
+        <p:nvSpPr>
+          <p:cNvPr id="23" name="TextBox 22"/>
+          <p:cNvSpPr txBox="1"/>
+          <p:nvPr/>
+        </p:nvSpPr>
+        <p:spPr>
+          <a:xfrm>
+            <a:off x="5372100" y="2819400"/>
+            <a:ext cx="1028700" cy="369332"/>
+          </a:xfrm>
+          <a:prstGeom prst="rect">
+            <a:avLst/>
+          </a:prstGeom>
+          <a:noFill/>
+        </p:spPr>
+        <p:txBody>
+          <a:bodyPr wrap="square" rtlCol="0">
+            <a:spAutoFit/>
+          </a:bodyPr>
+          <a:lstStyle/>
+          <a:p>
+            <a:r>
+              <a:rPr lang="en-US" dirty="0" smtClean="0"/>
+              <a:t> Event2</a:t>
+            </a:r>
+            <a:endParaRPr lang="en-US" dirty="0"/>
+          </a:p>
+        </p:txBody>
+      </p:sp>
     </p:spTree>
     <p:extLst>
       <p:ext uri="{BB962C8B-B14F-4D97-AF65-F5344CB8AC3E}">
         <p14:creationId xmlns:p14="http://schemas.microsoft.com/office/powerpoint/2010/main" val="159261467"/>
+      </p:ext>
+    </p:extLst>
+  </p:cSld>
+  <p:clrMapOvr>
+    <a:masterClrMapping/>
+  </p:clrMapOvr>
+</p:sld>
+</file>
+
+<file path=ppt/slides/slide3.xml><?xml version="1.0" encoding="utf-8"?>
+<p:sld xmlns:a="http://schemas.openxmlformats.org/drawingml/2006/main" xmlns:r="http://schemas.openxmlformats.org/officeDocument/2006/relationships" xmlns:p="http://schemas.openxmlformats.org/presentationml/2006/main">
+  <p:cSld>
+    <p:spTree>
+      <p:nvGrpSpPr>
+        <p:cNvPr id="1" name=""/>
+        <p:cNvGrpSpPr/>
+        <p:nvPr/>
+      </p:nvGrpSpPr>
+      <p:grpSpPr>
+        <a:xfrm>
+          <a:off x="0" y="0"/>
+          <a:ext cx="0" cy="0"/>
+          <a:chOff x="0" y="0"/>
+          <a:chExt cx="0" cy="0"/>
+        </a:xfrm>
+      </p:grpSpPr>
+      <p:sp>
+        <p:nvSpPr>
+          <p:cNvPr id="4" name="TextBox 3"/>
+          <p:cNvSpPr txBox="1"/>
+          <p:nvPr/>
+        </p:nvSpPr>
+        <p:spPr>
+          <a:xfrm>
+            <a:off x="2470146" y="304800"/>
+            <a:ext cx="1437638" cy="369332"/>
+          </a:xfrm>
+          <a:prstGeom prst="rect">
+            <a:avLst/>
+          </a:prstGeom>
+          <a:noFill/>
+        </p:spPr>
+        <p:txBody>
+          <a:bodyPr wrap="none" rtlCol="0">
+            <a:spAutoFit/>
+          </a:bodyPr>
+          <a:lstStyle/>
+          <a:p>
+            <a:r>
+              <a:rPr lang="en-US" u="sng" dirty="0" smtClean="0"/>
+              <a:t>Subscriptions</a:t>
+            </a:r>
+            <a:endParaRPr lang="en-US" u="sng" dirty="0"/>
+          </a:p>
+        </p:txBody>
+      </p:sp>
+      <p:sp>
+        <p:nvSpPr>
+          <p:cNvPr id="5" name="Rounded Rectangle 4"/>
+          <p:cNvSpPr/>
+          <p:nvPr/>
+        </p:nvSpPr>
+        <p:spPr>
+          <a:xfrm>
+            <a:off x="152400" y="990600"/>
+            <a:ext cx="5943600" cy="533400"/>
+          </a:xfrm>
+          <a:prstGeom prst="roundRect">
+            <a:avLst/>
+          </a:prstGeom>
+        </p:spPr>
+        <p:style>
+          <a:lnRef idx="2">
+            <a:schemeClr val="dk1"/>
+          </a:lnRef>
+          <a:fillRef idx="1">
+            <a:schemeClr val="lt1"/>
+          </a:fillRef>
+          <a:effectRef idx="0">
+            <a:schemeClr val="dk1"/>
+          </a:effectRef>
+          <a:fontRef idx="minor">
+            <a:schemeClr val="dk1"/>
+          </a:fontRef>
+        </p:style>
+        <p:txBody>
+          <a:bodyPr rtlCol="0" anchor="ctr"/>
+          <a:lstStyle/>
+          <a:p>
+            <a:pPr algn="ctr"/>
+            <a:endParaRPr lang="en-US"/>
+          </a:p>
+        </p:txBody>
+      </p:sp>
+      <p:sp>
+        <p:nvSpPr>
+          <p:cNvPr id="6" name="Rectangle 5"/>
+          <p:cNvSpPr/>
+          <p:nvPr/>
+        </p:nvSpPr>
+        <p:spPr>
+          <a:xfrm>
+            <a:off x="4191000" y="1111735"/>
+            <a:ext cx="1219200" cy="259865"/>
+          </a:xfrm>
+          <a:prstGeom prst="rect">
+            <a:avLst/>
+          </a:prstGeom>
+        </p:spPr>
+        <p:style>
+          <a:lnRef idx="1">
+            <a:schemeClr val="accent2"/>
+          </a:lnRef>
+          <a:fillRef idx="3">
+            <a:schemeClr val="accent2"/>
+          </a:fillRef>
+          <a:effectRef idx="2">
+            <a:schemeClr val="accent2"/>
+          </a:effectRef>
+          <a:fontRef idx="minor">
+            <a:schemeClr val="lt1"/>
+          </a:fontRef>
+        </p:style>
+        <p:txBody>
+          <a:bodyPr rtlCol="0" anchor="ctr"/>
+          <a:lstStyle/>
+          <a:p>
+            <a:pPr algn="ctr"/>
+            <a:r>
+              <a:rPr lang="en-US" dirty="0" smtClean="0"/>
+              <a:t>Deactivate</a:t>
+            </a:r>
+            <a:endParaRPr lang="en-US" dirty="0"/>
+          </a:p>
+        </p:txBody>
+      </p:sp>
+      <p:cxnSp>
+        <p:nvCxnSpPr>
+          <p:cNvPr id="7" name="Straight Connector 6"/>
+          <p:cNvCxnSpPr/>
+          <p:nvPr/>
+        </p:nvCxnSpPr>
+        <p:spPr>
+          <a:xfrm>
+            <a:off x="5715000" y="1143000"/>
+            <a:ext cx="228600" cy="184666"/>
+          </a:xfrm>
+          <a:prstGeom prst="line">
+            <a:avLst/>
+          </a:prstGeom>
+        </p:spPr>
+        <p:style>
+          <a:lnRef idx="3">
+            <a:schemeClr val="dk1"/>
+          </a:lnRef>
+          <a:fillRef idx="0">
+            <a:schemeClr val="dk1"/>
+          </a:fillRef>
+          <a:effectRef idx="2">
+            <a:schemeClr val="dk1"/>
+          </a:effectRef>
+          <a:fontRef idx="minor">
+            <a:schemeClr val="tx1"/>
+          </a:fontRef>
+        </p:style>
+      </p:cxnSp>
+      <p:cxnSp>
+        <p:nvCxnSpPr>
+          <p:cNvPr id="8" name="Straight Connector 7"/>
+          <p:cNvCxnSpPr/>
+          <p:nvPr/>
+        </p:nvCxnSpPr>
+        <p:spPr>
+          <a:xfrm flipH="1">
+            <a:off x="5715000" y="1143000"/>
+            <a:ext cx="228600" cy="184666"/>
+          </a:xfrm>
+          <a:prstGeom prst="line">
+            <a:avLst/>
+          </a:prstGeom>
+        </p:spPr>
+        <p:style>
+          <a:lnRef idx="3">
+            <a:schemeClr val="dk1"/>
+          </a:lnRef>
+          <a:fillRef idx="0">
+            <a:schemeClr val="dk1"/>
+          </a:fillRef>
+          <a:effectRef idx="2">
+            <a:schemeClr val="dk1"/>
+          </a:effectRef>
+          <a:fontRef idx="minor">
+            <a:schemeClr val="tx1"/>
+          </a:fontRef>
+        </p:style>
+      </p:cxnSp>
+      <p:sp>
+        <p:nvSpPr>
+          <p:cNvPr id="9" name="TextBox 8"/>
+          <p:cNvSpPr txBox="1"/>
+          <p:nvPr/>
+        </p:nvSpPr>
+        <p:spPr>
+          <a:xfrm>
+            <a:off x="1800129" y="1066800"/>
+            <a:ext cx="1933671" cy="369332"/>
+          </a:xfrm>
+          <a:prstGeom prst="rect">
+            <a:avLst/>
+          </a:prstGeom>
+          <a:noFill/>
+        </p:spPr>
+        <p:txBody>
+          <a:bodyPr wrap="none" rtlCol="0">
+            <a:spAutoFit/>
+          </a:bodyPr>
+          <a:lstStyle/>
+          <a:p>
+            <a:r>
+              <a:rPr lang="en-US" dirty="0" smtClean="0"/>
+              <a:t>Country | Product </a:t>
+            </a:r>
+            <a:endParaRPr lang="en-US" dirty="0"/>
+          </a:p>
+        </p:txBody>
+      </p:sp>
+      <p:cxnSp>
+        <p:nvCxnSpPr>
+          <p:cNvPr id="10" name="Straight Arrow Connector 9"/>
+          <p:cNvCxnSpPr/>
+          <p:nvPr/>
+        </p:nvCxnSpPr>
+        <p:spPr>
+          <a:xfrm flipH="1">
+            <a:off x="5486400" y="1186934"/>
+            <a:ext cx="152400" cy="184666"/>
+          </a:xfrm>
+          <a:prstGeom prst="straightConnector1">
+            <a:avLst/>
+          </a:prstGeom>
+          <a:ln>
+            <a:tailEnd type="arrow"/>
+          </a:ln>
+        </p:spPr>
+        <p:style>
+          <a:lnRef idx="2">
+            <a:schemeClr val="dk1"/>
+          </a:lnRef>
+          <a:fillRef idx="0">
+            <a:schemeClr val="dk1"/>
+          </a:fillRef>
+          <a:effectRef idx="1">
+            <a:schemeClr val="dk1"/>
+          </a:effectRef>
+          <a:fontRef idx="minor">
+            <a:schemeClr val="tx1"/>
+          </a:fontRef>
+        </p:style>
+      </p:cxnSp>
+      <p:pic>
+        <p:nvPicPr>
+          <p:cNvPr id="11" name="Picture 10"/>
+          <p:cNvPicPr>
+            <a:picLocks noChangeAspect="1"/>
+          </p:cNvPicPr>
+          <p:nvPr/>
+        </p:nvPicPr>
+        <p:blipFill>
+          <a:blip r:embed="rId2" cstate="print">
+            <a:extLst>
+              <a:ext uri="{28A0092B-C50C-407E-A947-70E740481C1C}">
+                <a14:useLocalDpi xmlns:a14="http://schemas.microsoft.com/office/drawing/2010/main" val="0"/>
+              </a:ext>
+            </a:extLst>
+          </a:blip>
+          <a:stretch>
+            <a:fillRect/>
+          </a:stretch>
+        </p:blipFill>
+        <p:spPr>
+          <a:xfrm>
+            <a:off x="251619" y="1061656"/>
+            <a:ext cx="411162" cy="415879"/>
+          </a:xfrm>
+          <a:prstGeom prst="rect">
+            <a:avLst/>
+          </a:prstGeom>
+        </p:spPr>
+      </p:pic>
+      <p:pic>
+        <p:nvPicPr>
+          <p:cNvPr id="12" name="Picture 11"/>
+          <p:cNvPicPr>
+            <a:picLocks noChangeAspect="1"/>
+          </p:cNvPicPr>
+          <p:nvPr/>
+        </p:nvPicPr>
+        <p:blipFill>
+          <a:blip r:embed="rId3" cstate="print">
+            <a:extLst>
+              <a:ext uri="{28A0092B-C50C-407E-A947-70E740481C1C}">
+                <a14:useLocalDpi xmlns:a14="http://schemas.microsoft.com/office/drawing/2010/main" val="0"/>
+              </a:ext>
+            </a:extLst>
+          </a:blip>
+          <a:stretch>
+            <a:fillRect/>
+          </a:stretch>
+        </p:blipFill>
+        <p:spPr>
+          <a:xfrm>
+            <a:off x="711272" y="1066800"/>
+            <a:ext cx="417889" cy="420675"/>
+          </a:xfrm>
+          <a:prstGeom prst="rect">
+            <a:avLst/>
+          </a:prstGeom>
+        </p:spPr>
+      </p:pic>
+      <p:sp>
+        <p:nvSpPr>
+          <p:cNvPr id="13" name="Rounded Rectangle 12"/>
+          <p:cNvSpPr/>
+          <p:nvPr/>
+        </p:nvSpPr>
+        <p:spPr>
+          <a:xfrm>
+            <a:off x="152400" y="1905000"/>
+            <a:ext cx="5943600" cy="533400"/>
+          </a:xfrm>
+          <a:prstGeom prst="roundRect">
+            <a:avLst/>
+          </a:prstGeom>
+        </p:spPr>
+        <p:style>
+          <a:lnRef idx="2">
+            <a:schemeClr val="dk1"/>
+          </a:lnRef>
+          <a:fillRef idx="1">
+            <a:schemeClr val="lt1"/>
+          </a:fillRef>
+          <a:effectRef idx="0">
+            <a:schemeClr val="dk1"/>
+          </a:effectRef>
+          <a:fontRef idx="minor">
+            <a:schemeClr val="dk1"/>
+          </a:fontRef>
+        </p:style>
+        <p:txBody>
+          <a:bodyPr rtlCol="0" anchor="ctr"/>
+          <a:lstStyle/>
+          <a:p>
+            <a:pPr algn="ctr"/>
+            <a:endParaRPr lang="en-US"/>
+          </a:p>
+        </p:txBody>
+      </p:sp>
+      <p:sp>
+        <p:nvSpPr>
+          <p:cNvPr id="14" name="Rectangle 13"/>
+          <p:cNvSpPr/>
+          <p:nvPr/>
+        </p:nvSpPr>
+        <p:spPr>
+          <a:xfrm>
+            <a:off x="4191000" y="2035933"/>
+            <a:ext cx="1219200" cy="259865"/>
+          </a:xfrm>
+          <a:prstGeom prst="rect">
+            <a:avLst/>
+          </a:prstGeom>
+        </p:spPr>
+        <p:style>
+          <a:lnRef idx="1">
+            <a:schemeClr val="accent2"/>
+          </a:lnRef>
+          <a:fillRef idx="3">
+            <a:schemeClr val="accent2"/>
+          </a:fillRef>
+          <a:effectRef idx="2">
+            <a:schemeClr val="accent2"/>
+          </a:effectRef>
+          <a:fontRef idx="minor">
+            <a:schemeClr val="lt1"/>
+          </a:fontRef>
+        </p:style>
+        <p:txBody>
+          <a:bodyPr rtlCol="0" anchor="ctr"/>
+          <a:lstStyle/>
+          <a:p>
+            <a:pPr algn="ctr"/>
+            <a:r>
+              <a:rPr lang="en-US" dirty="0" smtClean="0"/>
+              <a:t>Deactivate</a:t>
+            </a:r>
+            <a:endParaRPr lang="en-US" dirty="0"/>
+          </a:p>
+        </p:txBody>
+      </p:sp>
+      <p:cxnSp>
+        <p:nvCxnSpPr>
+          <p:cNvPr id="15" name="Straight Connector 14"/>
+          <p:cNvCxnSpPr/>
+          <p:nvPr/>
+        </p:nvCxnSpPr>
+        <p:spPr>
+          <a:xfrm>
+            <a:off x="5715000" y="2045185"/>
+            <a:ext cx="228600" cy="184666"/>
+          </a:xfrm>
+          <a:prstGeom prst="line">
+            <a:avLst/>
+          </a:prstGeom>
+        </p:spPr>
+        <p:style>
+          <a:lnRef idx="3">
+            <a:schemeClr val="dk1"/>
+          </a:lnRef>
+          <a:fillRef idx="0">
+            <a:schemeClr val="dk1"/>
+          </a:fillRef>
+          <a:effectRef idx="2">
+            <a:schemeClr val="dk1"/>
+          </a:effectRef>
+          <a:fontRef idx="minor">
+            <a:schemeClr val="tx1"/>
+          </a:fontRef>
+        </p:style>
+      </p:cxnSp>
+      <p:cxnSp>
+        <p:nvCxnSpPr>
+          <p:cNvPr id="16" name="Straight Connector 15"/>
+          <p:cNvCxnSpPr/>
+          <p:nvPr/>
+        </p:nvCxnSpPr>
+        <p:spPr>
+          <a:xfrm flipH="1">
+            <a:off x="5715000" y="2045185"/>
+            <a:ext cx="228600" cy="184666"/>
+          </a:xfrm>
+          <a:prstGeom prst="line">
+            <a:avLst/>
+          </a:prstGeom>
+        </p:spPr>
+        <p:style>
+          <a:lnRef idx="3">
+            <a:schemeClr val="dk1"/>
+          </a:lnRef>
+          <a:fillRef idx="0">
+            <a:schemeClr val="dk1"/>
+          </a:fillRef>
+          <a:effectRef idx="2">
+            <a:schemeClr val="dk1"/>
+          </a:effectRef>
+          <a:fontRef idx="minor">
+            <a:schemeClr val="tx1"/>
+          </a:fontRef>
+        </p:style>
+      </p:cxnSp>
+      <p:sp>
+        <p:nvSpPr>
+          <p:cNvPr id="17" name="TextBox 16"/>
+          <p:cNvSpPr txBox="1"/>
+          <p:nvPr/>
+        </p:nvSpPr>
+        <p:spPr>
+          <a:xfrm>
+            <a:off x="1828800" y="1981200"/>
+            <a:ext cx="1933671" cy="369332"/>
+          </a:xfrm>
+          <a:prstGeom prst="rect">
+            <a:avLst/>
+          </a:prstGeom>
+          <a:noFill/>
+        </p:spPr>
+        <p:txBody>
+          <a:bodyPr wrap="none" rtlCol="0">
+            <a:spAutoFit/>
+          </a:bodyPr>
+          <a:lstStyle/>
+          <a:p>
+            <a:r>
+              <a:rPr lang="en-US" dirty="0" smtClean="0"/>
+              <a:t>Country | Product </a:t>
+            </a:r>
+            <a:endParaRPr lang="en-US" dirty="0"/>
+          </a:p>
+        </p:txBody>
+      </p:sp>
+      <p:cxnSp>
+        <p:nvCxnSpPr>
+          <p:cNvPr id="18" name="Straight Arrow Connector 17"/>
+          <p:cNvCxnSpPr/>
+          <p:nvPr/>
+        </p:nvCxnSpPr>
+        <p:spPr>
+          <a:xfrm flipH="1">
+            <a:off x="5486400" y="2045185"/>
+            <a:ext cx="152400" cy="184666"/>
+          </a:xfrm>
+          <a:prstGeom prst="straightConnector1">
+            <a:avLst/>
+          </a:prstGeom>
+          <a:ln>
+            <a:tailEnd type="arrow"/>
+          </a:ln>
+        </p:spPr>
+        <p:style>
+          <a:lnRef idx="2">
+            <a:schemeClr val="dk1"/>
+          </a:lnRef>
+          <a:fillRef idx="0">
+            <a:schemeClr val="dk1"/>
+          </a:fillRef>
+          <a:effectRef idx="1">
+            <a:schemeClr val="dk1"/>
+          </a:effectRef>
+          <a:fontRef idx="minor">
+            <a:schemeClr val="tx1"/>
+          </a:fontRef>
+        </p:style>
+      </p:cxnSp>
+      <p:pic>
+        <p:nvPicPr>
+          <p:cNvPr id="19" name="Picture 18"/>
+          <p:cNvPicPr>
+            <a:picLocks noChangeAspect="1"/>
+          </p:cNvPicPr>
+          <p:nvPr/>
+        </p:nvPicPr>
+        <p:blipFill>
+          <a:blip r:embed="rId2" cstate="print">
+            <a:extLst>
+              <a:ext uri="{28A0092B-C50C-407E-A947-70E740481C1C}">
+                <a14:useLocalDpi xmlns:a14="http://schemas.microsoft.com/office/drawing/2010/main" val="0"/>
+              </a:ext>
+            </a:extLst>
+          </a:blip>
+          <a:stretch>
+            <a:fillRect/>
+          </a:stretch>
+        </p:blipFill>
+        <p:spPr>
+          <a:xfrm>
+            <a:off x="251619" y="1976056"/>
+            <a:ext cx="411162" cy="415879"/>
+          </a:xfrm>
+          <a:prstGeom prst="rect">
+            <a:avLst/>
+          </a:prstGeom>
+        </p:spPr>
+      </p:pic>
+      <p:sp>
+        <p:nvSpPr>
+          <p:cNvPr id="20" name="Rounded Rectangle 19"/>
+          <p:cNvSpPr/>
+          <p:nvPr/>
+        </p:nvSpPr>
+        <p:spPr>
+          <a:xfrm>
+            <a:off x="2819400" y="2895600"/>
+            <a:ext cx="657527" cy="304800"/>
+          </a:xfrm>
+          <a:prstGeom prst="roundRect">
+            <a:avLst/>
+          </a:prstGeom>
+        </p:spPr>
+        <p:style>
+          <a:lnRef idx="2">
+            <a:schemeClr val="accent1"/>
+          </a:lnRef>
+          <a:fillRef idx="1">
+            <a:schemeClr val="lt1"/>
+          </a:fillRef>
+          <a:effectRef idx="0">
+            <a:schemeClr val="accent1"/>
+          </a:effectRef>
+          <a:fontRef idx="minor">
+            <a:schemeClr val="dk1"/>
+          </a:fontRef>
+        </p:style>
+        <p:txBody>
+          <a:bodyPr rtlCol="0" anchor="ctr"/>
+          <a:lstStyle/>
+          <a:p>
+            <a:pPr algn="ctr"/>
+            <a:r>
+              <a:rPr lang="en-US" dirty="0" smtClean="0"/>
+              <a:t>ADD</a:t>
+            </a:r>
+            <a:endParaRPr lang="en-US" dirty="0"/>
+          </a:p>
+        </p:txBody>
+      </p:sp>
+      <p:sp>
+        <p:nvSpPr>
+          <p:cNvPr id="21" name="Rounded Rectangle 20"/>
+          <p:cNvSpPr/>
+          <p:nvPr/>
+        </p:nvSpPr>
+        <p:spPr>
+          <a:xfrm>
+            <a:off x="457200" y="1524000"/>
+            <a:ext cx="838200" cy="152400"/>
+          </a:xfrm>
+          <a:prstGeom prst="roundRect">
+            <a:avLst/>
+          </a:prstGeom>
+        </p:spPr>
+        <p:style>
+          <a:lnRef idx="2">
+            <a:schemeClr val="accent1">
+              <a:shade val="50000"/>
+            </a:schemeClr>
+          </a:lnRef>
+          <a:fillRef idx="1">
+            <a:schemeClr val="accent1"/>
+          </a:fillRef>
+          <a:effectRef idx="0">
+            <a:schemeClr val="accent1"/>
+          </a:effectRef>
+          <a:fontRef idx="minor">
+            <a:schemeClr val="lt1"/>
+          </a:fontRef>
+        </p:style>
+        <p:txBody>
+          <a:bodyPr rtlCol="0" anchor="ctr"/>
+          <a:lstStyle/>
+          <a:p>
+            <a:pPr algn="ctr"/>
+            <a:endParaRPr lang="en-US"/>
+          </a:p>
+        </p:txBody>
+      </p:sp>
+      <p:sp>
+        <p:nvSpPr>
+          <p:cNvPr id="22" name="Rounded Rectangle 21"/>
+          <p:cNvSpPr/>
+          <p:nvPr/>
+        </p:nvSpPr>
+        <p:spPr>
+          <a:xfrm>
+            <a:off x="1447800" y="1524000"/>
+            <a:ext cx="838200" cy="152400"/>
+          </a:xfrm>
+          <a:prstGeom prst="roundRect">
+            <a:avLst/>
+          </a:prstGeom>
+        </p:spPr>
+        <p:style>
+          <a:lnRef idx="2">
+            <a:schemeClr val="accent3">
+              <a:shade val="50000"/>
+            </a:schemeClr>
+          </a:lnRef>
+          <a:fillRef idx="1">
+            <a:schemeClr val="accent3"/>
+          </a:fillRef>
+          <a:effectRef idx="0">
+            <a:schemeClr val="accent3"/>
+          </a:effectRef>
+          <a:fontRef idx="minor">
+            <a:schemeClr val="lt1"/>
+          </a:fontRef>
+        </p:style>
+        <p:txBody>
+          <a:bodyPr rtlCol="0" anchor="ctr"/>
+          <a:lstStyle/>
+          <a:p>
+            <a:pPr algn="ctr"/>
+            <a:endParaRPr lang="en-US"/>
+          </a:p>
+        </p:txBody>
+      </p:sp>
+      <p:sp>
+        <p:nvSpPr>
+          <p:cNvPr id="23" name="Rounded Rectangle 22"/>
+          <p:cNvSpPr/>
+          <p:nvPr/>
+        </p:nvSpPr>
+        <p:spPr>
+          <a:xfrm>
+            <a:off x="2438400" y="1524000"/>
+            <a:ext cx="838200" cy="152400"/>
+          </a:xfrm>
+          <a:prstGeom prst="roundRect">
+            <a:avLst/>
+          </a:prstGeom>
+        </p:spPr>
+        <p:style>
+          <a:lnRef idx="2">
+            <a:schemeClr val="accent2">
+              <a:shade val="50000"/>
+            </a:schemeClr>
+          </a:lnRef>
+          <a:fillRef idx="1">
+            <a:schemeClr val="accent2"/>
+          </a:fillRef>
+          <a:effectRef idx="0">
+            <a:schemeClr val="accent2"/>
+          </a:effectRef>
+          <a:fontRef idx="minor">
+            <a:schemeClr val="lt1"/>
+          </a:fontRef>
+        </p:style>
+        <p:txBody>
+          <a:bodyPr rtlCol="0" anchor="ctr"/>
+          <a:lstStyle/>
+          <a:p>
+            <a:pPr algn="ctr"/>
+            <a:endParaRPr lang="en-US"/>
+          </a:p>
+        </p:txBody>
+      </p:sp>
+      <p:sp>
+        <p:nvSpPr>
+          <p:cNvPr id="24" name="Rounded Rectangle 23"/>
+          <p:cNvSpPr/>
+          <p:nvPr/>
+        </p:nvSpPr>
+        <p:spPr>
+          <a:xfrm>
+            <a:off x="457200" y="2438400"/>
+            <a:ext cx="838200" cy="152400"/>
+          </a:xfrm>
+          <a:prstGeom prst="roundRect">
+            <a:avLst/>
+          </a:prstGeom>
+        </p:spPr>
+        <p:style>
+          <a:lnRef idx="2">
+            <a:schemeClr val="accent3">
+              <a:shade val="50000"/>
+            </a:schemeClr>
+          </a:lnRef>
+          <a:fillRef idx="1">
+            <a:schemeClr val="accent3"/>
+          </a:fillRef>
+          <a:effectRef idx="0">
+            <a:schemeClr val="accent3"/>
+          </a:effectRef>
+          <a:fontRef idx="minor">
+            <a:schemeClr val="lt1"/>
+          </a:fontRef>
+        </p:style>
+        <p:txBody>
+          <a:bodyPr rtlCol="0" anchor="ctr"/>
+          <a:lstStyle/>
+          <a:p>
+            <a:pPr algn="ctr"/>
+            <a:endParaRPr lang="en-US"/>
+          </a:p>
+        </p:txBody>
+      </p:sp>
+      <p:sp>
+        <p:nvSpPr>
+          <p:cNvPr id="25" name="Rounded Rectangle 24"/>
+          <p:cNvSpPr/>
+          <p:nvPr/>
+        </p:nvSpPr>
+        <p:spPr>
+          <a:xfrm>
+            <a:off x="1447800" y="2438400"/>
+            <a:ext cx="838200" cy="152400"/>
+          </a:xfrm>
+          <a:prstGeom prst="roundRect">
+            <a:avLst/>
+          </a:prstGeom>
+        </p:spPr>
+        <p:style>
+          <a:lnRef idx="2">
+            <a:schemeClr val="accent6">
+              <a:shade val="50000"/>
+            </a:schemeClr>
+          </a:lnRef>
+          <a:fillRef idx="1">
+            <a:schemeClr val="accent6"/>
+          </a:fillRef>
+          <a:effectRef idx="0">
+            <a:schemeClr val="accent6"/>
+          </a:effectRef>
+          <a:fontRef idx="minor">
+            <a:schemeClr val="lt1"/>
+          </a:fontRef>
+        </p:style>
+        <p:txBody>
+          <a:bodyPr rtlCol="0" anchor="ctr"/>
+          <a:lstStyle/>
+          <a:p>
+            <a:pPr algn="ctr"/>
+            <a:endParaRPr lang="en-US"/>
+          </a:p>
+        </p:txBody>
+      </p:sp>
+      <p:cxnSp>
+        <p:nvCxnSpPr>
+          <p:cNvPr id="27" name="Straight Connector 26"/>
+          <p:cNvCxnSpPr/>
+          <p:nvPr/>
+        </p:nvCxnSpPr>
+        <p:spPr>
+          <a:xfrm>
+            <a:off x="6324600" y="152400"/>
+            <a:ext cx="76200" cy="6553200"/>
+          </a:xfrm>
+          <a:prstGeom prst="line">
+            <a:avLst/>
+          </a:prstGeom>
+        </p:spPr>
+        <p:style>
+          <a:lnRef idx="2">
+            <a:schemeClr val="dk1"/>
+          </a:lnRef>
+          <a:fillRef idx="0">
+            <a:schemeClr val="dk1"/>
+          </a:fillRef>
+          <a:effectRef idx="1">
+            <a:schemeClr val="dk1"/>
+          </a:effectRef>
+          <a:fontRef idx="minor">
+            <a:schemeClr val="tx1"/>
+          </a:fontRef>
+        </p:style>
+      </p:cxnSp>
+      <p:sp>
+        <p:nvSpPr>
+          <p:cNvPr id="28" name="Rounded Rectangle 27"/>
+          <p:cNvSpPr/>
+          <p:nvPr/>
+        </p:nvSpPr>
+        <p:spPr>
+          <a:xfrm>
+            <a:off x="6948055" y="931850"/>
+            <a:ext cx="762000" cy="173677"/>
+          </a:xfrm>
+          <a:prstGeom prst="roundRect">
+            <a:avLst/>
+          </a:prstGeom>
+        </p:spPr>
+        <p:style>
+          <a:lnRef idx="2">
+            <a:schemeClr val="accent1">
+              <a:shade val="50000"/>
+            </a:schemeClr>
+          </a:lnRef>
+          <a:fillRef idx="1">
+            <a:schemeClr val="accent1"/>
+          </a:fillRef>
+          <a:effectRef idx="0">
+            <a:schemeClr val="accent1"/>
+          </a:effectRef>
+          <a:fontRef idx="minor">
+            <a:schemeClr val="lt1"/>
+          </a:fontRef>
+        </p:style>
+        <p:txBody>
+          <a:bodyPr rtlCol="0" anchor="ctr"/>
+          <a:lstStyle/>
+          <a:p>
+            <a:pPr algn="ctr"/>
+            <a:endParaRPr lang="en-US"/>
+          </a:p>
+        </p:txBody>
+      </p:sp>
+      <p:sp>
+        <p:nvSpPr>
+          <p:cNvPr id="30" name="TextBox 29"/>
+          <p:cNvSpPr txBox="1"/>
+          <p:nvPr/>
+        </p:nvSpPr>
+        <p:spPr>
+          <a:xfrm>
+            <a:off x="7772400" y="838200"/>
+            <a:ext cx="875432" cy="369332"/>
+          </a:xfrm>
+          <a:prstGeom prst="rect">
+            <a:avLst/>
+          </a:prstGeom>
+          <a:noFill/>
+        </p:spPr>
+        <p:txBody>
+          <a:bodyPr wrap="none" rtlCol="0">
+            <a:spAutoFit/>
+          </a:bodyPr>
+          <a:lstStyle/>
+          <a:p>
+            <a:r>
+              <a:rPr lang="en-US" dirty="0" smtClean="0"/>
+              <a:t>Event 1</a:t>
+            </a:r>
+            <a:endParaRPr lang="en-US" dirty="0"/>
+          </a:p>
+        </p:txBody>
+      </p:sp>
+      <p:sp>
+        <p:nvSpPr>
+          <p:cNvPr id="31" name="Rounded Rectangle 30"/>
+          <p:cNvSpPr/>
+          <p:nvPr/>
+        </p:nvSpPr>
+        <p:spPr>
+          <a:xfrm>
+            <a:off x="6934200" y="1312850"/>
+            <a:ext cx="762000" cy="173677"/>
+          </a:xfrm>
+          <a:prstGeom prst="roundRect">
+            <a:avLst/>
+          </a:prstGeom>
+        </p:spPr>
+        <p:style>
+          <a:lnRef idx="2">
+            <a:schemeClr val="accent3">
+              <a:shade val="50000"/>
+            </a:schemeClr>
+          </a:lnRef>
+          <a:fillRef idx="1">
+            <a:schemeClr val="accent3"/>
+          </a:fillRef>
+          <a:effectRef idx="0">
+            <a:schemeClr val="accent3"/>
+          </a:effectRef>
+          <a:fontRef idx="minor">
+            <a:schemeClr val="lt1"/>
+          </a:fontRef>
+        </p:style>
+        <p:txBody>
+          <a:bodyPr rtlCol="0" anchor="ctr"/>
+          <a:lstStyle/>
+          <a:p>
+            <a:pPr algn="ctr"/>
+            <a:endParaRPr lang="en-US"/>
+          </a:p>
+        </p:txBody>
+      </p:sp>
+      <p:sp>
+        <p:nvSpPr>
+          <p:cNvPr id="32" name="TextBox 31"/>
+          <p:cNvSpPr txBox="1"/>
+          <p:nvPr/>
+        </p:nvSpPr>
+        <p:spPr>
+          <a:xfrm>
+            <a:off x="7758545" y="1219200"/>
+            <a:ext cx="875432" cy="369332"/>
+          </a:xfrm>
+          <a:prstGeom prst="rect">
+            <a:avLst/>
+          </a:prstGeom>
+          <a:noFill/>
+        </p:spPr>
+        <p:txBody>
+          <a:bodyPr wrap="none" rtlCol="0">
+            <a:spAutoFit/>
+          </a:bodyPr>
+          <a:lstStyle/>
+          <a:p>
+            <a:r>
+              <a:rPr lang="en-US" dirty="0" smtClean="0"/>
+              <a:t>Event 2</a:t>
+            </a:r>
+            <a:endParaRPr lang="en-US" dirty="0"/>
+          </a:p>
+        </p:txBody>
+      </p:sp>
+      <p:sp>
+        <p:nvSpPr>
+          <p:cNvPr id="33" name="Rounded Rectangle 32"/>
+          <p:cNvSpPr/>
+          <p:nvPr/>
+        </p:nvSpPr>
+        <p:spPr>
+          <a:xfrm>
+            <a:off x="6934200" y="1693850"/>
+            <a:ext cx="762000" cy="173677"/>
+          </a:xfrm>
+          <a:prstGeom prst="roundRect">
+            <a:avLst/>
+          </a:prstGeom>
+        </p:spPr>
+        <p:style>
+          <a:lnRef idx="2">
+            <a:schemeClr val="accent2">
+              <a:shade val="50000"/>
+            </a:schemeClr>
+          </a:lnRef>
+          <a:fillRef idx="1">
+            <a:schemeClr val="accent2"/>
+          </a:fillRef>
+          <a:effectRef idx="0">
+            <a:schemeClr val="accent2"/>
+          </a:effectRef>
+          <a:fontRef idx="minor">
+            <a:schemeClr val="lt1"/>
+          </a:fontRef>
+        </p:style>
+        <p:txBody>
+          <a:bodyPr rtlCol="0" anchor="ctr"/>
+          <a:lstStyle/>
+          <a:p>
+            <a:pPr algn="ctr"/>
+            <a:endParaRPr lang="en-US"/>
+          </a:p>
+        </p:txBody>
+      </p:sp>
+      <p:sp>
+        <p:nvSpPr>
+          <p:cNvPr id="34" name="TextBox 33"/>
+          <p:cNvSpPr txBox="1"/>
+          <p:nvPr/>
+        </p:nvSpPr>
+        <p:spPr>
+          <a:xfrm>
+            <a:off x="7758545" y="1600200"/>
+            <a:ext cx="875432" cy="369332"/>
+          </a:xfrm>
+          <a:prstGeom prst="rect">
+            <a:avLst/>
+          </a:prstGeom>
+          <a:noFill/>
+        </p:spPr>
+        <p:txBody>
+          <a:bodyPr wrap="none" rtlCol="0">
+            <a:spAutoFit/>
+          </a:bodyPr>
+          <a:lstStyle/>
+          <a:p>
+            <a:r>
+              <a:rPr lang="en-US" dirty="0" smtClean="0"/>
+              <a:t>Event 3</a:t>
+            </a:r>
+            <a:endParaRPr lang="en-US" dirty="0"/>
+          </a:p>
+        </p:txBody>
+      </p:sp>
+      <p:sp>
+        <p:nvSpPr>
+          <p:cNvPr id="35" name="Rounded Rectangle 34"/>
+          <p:cNvSpPr/>
+          <p:nvPr/>
+        </p:nvSpPr>
+        <p:spPr>
+          <a:xfrm>
+            <a:off x="6934200" y="2063182"/>
+            <a:ext cx="762000" cy="173677"/>
+          </a:xfrm>
+          <a:prstGeom prst="roundRect">
+            <a:avLst/>
+          </a:prstGeom>
+        </p:spPr>
+        <p:style>
+          <a:lnRef idx="2">
+            <a:schemeClr val="accent6">
+              <a:shade val="50000"/>
+            </a:schemeClr>
+          </a:lnRef>
+          <a:fillRef idx="1">
+            <a:schemeClr val="accent6"/>
+          </a:fillRef>
+          <a:effectRef idx="0">
+            <a:schemeClr val="accent6"/>
+          </a:effectRef>
+          <a:fontRef idx="minor">
+            <a:schemeClr val="lt1"/>
+          </a:fontRef>
+        </p:style>
+        <p:txBody>
+          <a:bodyPr rtlCol="0" anchor="ctr"/>
+          <a:lstStyle/>
+          <a:p>
+            <a:pPr algn="ctr"/>
+            <a:endParaRPr lang="en-US"/>
+          </a:p>
+        </p:txBody>
+      </p:sp>
+      <p:sp>
+        <p:nvSpPr>
+          <p:cNvPr id="36" name="TextBox 35"/>
+          <p:cNvSpPr txBox="1"/>
+          <p:nvPr/>
+        </p:nvSpPr>
+        <p:spPr>
+          <a:xfrm>
+            <a:off x="7758545" y="1969532"/>
+            <a:ext cx="875432" cy="369332"/>
+          </a:xfrm>
+          <a:prstGeom prst="rect">
+            <a:avLst/>
+          </a:prstGeom>
+          <a:noFill/>
+        </p:spPr>
+        <p:txBody>
+          <a:bodyPr wrap="none" rtlCol="0">
+            <a:spAutoFit/>
+          </a:bodyPr>
+          <a:lstStyle/>
+          <a:p>
+            <a:r>
+              <a:rPr lang="en-US" dirty="0" smtClean="0"/>
+              <a:t>Event 4</a:t>
+            </a:r>
+            <a:endParaRPr lang="en-US" dirty="0"/>
+          </a:p>
+        </p:txBody>
+      </p:sp>
+      <p:sp>
+        <p:nvSpPr>
+          <p:cNvPr id="37" name="TextBox 36"/>
+          <p:cNvSpPr txBox="1"/>
+          <p:nvPr/>
+        </p:nvSpPr>
+        <p:spPr>
+          <a:xfrm>
+            <a:off x="7331841" y="367145"/>
+            <a:ext cx="795282" cy="369332"/>
+          </a:xfrm>
+          <a:prstGeom prst="rect">
+            <a:avLst/>
+          </a:prstGeom>
+          <a:noFill/>
+        </p:spPr>
+        <p:txBody>
+          <a:bodyPr wrap="none" rtlCol="0">
+            <a:spAutoFit/>
+          </a:bodyPr>
+          <a:lstStyle/>
+          <a:p>
+            <a:r>
+              <a:rPr lang="en-US" u="sng" dirty="0" smtClean="0"/>
+              <a:t>Events</a:t>
+            </a:r>
+            <a:endParaRPr lang="en-US" u="sng" dirty="0"/>
+          </a:p>
+        </p:txBody>
+      </p:sp>
+    </p:spTree>
+    <p:extLst>
+      <p:ext uri="{BB962C8B-B14F-4D97-AF65-F5344CB8AC3E}">
+        <p14:creationId xmlns:p14="http://schemas.microsoft.com/office/powerpoint/2010/main" val="861771715"/>
       </p:ext>
     </p:extLst>
   </p:cSld>
